--- a/Classification_Project.pptx
+++ b/Classification_Project.pptx
@@ -5,7 +5,7 @@
     <p:sldMasterId id="2147483648" r:id="rId1"/>
   </p:sldMasterIdLst>
   <p:notesMasterIdLst>
-    <p:notesMasterId r:id="rId8"/>
+    <p:notesMasterId r:id="rId9"/>
   </p:notesMasterIdLst>
   <p:sldIdLst>
     <p:sldId id="256" r:id="rId2"/>
@@ -13,7 +13,8 @@
     <p:sldId id="258" r:id="rId4"/>
     <p:sldId id="259" r:id="rId5"/>
     <p:sldId id="260" r:id="rId6"/>
-    <p:sldId id="263" r:id="rId7"/>
+    <p:sldId id="264" r:id="rId7"/>
+    <p:sldId id="263" r:id="rId8"/>
   </p:sldIdLst>
   <p:sldSz cx="14630400" cy="8229600"/>
   <p:notesSz cx="8229600" cy="14630400"/>
@@ -728,6 +729,90 @@
             <a:fld id="{F7021451-1387-4CA6-816F-3879F97B5CBC}" type="slidenum">
               <a:rPr lang="en-US"/>
               <a:t>6</a:t>
+            </a:fld>
+            <a:endParaRPr lang="en-US" dirty="0"/>
+          </a:p>
+        </p:txBody>
+      </p:sp>
+    </p:spTree>
+    <p:extLst>
+      <p:ext uri="{BB962C8B-B14F-4D97-AF65-F5344CB8AC3E}">
+        <p14:creationId xmlns:p14="http://schemas.microsoft.com/office/powerpoint/2010/main" val="1086091408"/>
+      </p:ext>
+    </p:extLst>
+  </p:cSld>
+  <p:clrMapOvr>
+    <a:masterClrMapping/>
+  </p:clrMapOvr>
+</p:notes>
+</file>
+
+<file path=ppt/notesSlides/notesSlide7.xml><?xml version="1.0" encoding="utf-8"?>
+<p:notes xmlns:a="http://schemas.openxmlformats.org/drawingml/2006/main" xmlns:r="http://schemas.openxmlformats.org/officeDocument/2006/relationships" xmlns:p="http://schemas.openxmlformats.org/presentationml/2006/main">
+  <p:cSld>
+    <p:spTree>
+      <p:nvGrpSpPr>
+        <p:cNvPr id="1" name=""/>
+        <p:cNvGrpSpPr/>
+        <p:nvPr/>
+      </p:nvGrpSpPr>
+      <p:grpSpPr>
+        <a:xfrm>
+          <a:off x="0" y="0"/>
+          <a:ext cx="0" cy="0"/>
+          <a:chOff x="0" y="0"/>
+          <a:chExt cx="0" cy="0"/>
+        </a:xfrm>
+      </p:grpSpPr>
+      <p:sp>
+        <p:nvSpPr>
+          <p:cNvPr id="2" name="Slide Image Placeholder 1"/>
+          <p:cNvSpPr>
+            <a:spLocks noGrp="1" noRot="1" noChangeAspect="1"/>
+          </p:cNvSpPr>
+          <p:nvPr>
+            <p:ph type="sldImg"/>
+          </p:nvPr>
+        </p:nvSpPr>
+        <p:spPr/>
+      </p:sp>
+      <p:sp>
+        <p:nvSpPr>
+          <p:cNvPr id="3" name="Notes Placeholder 2"/>
+          <p:cNvSpPr>
+            <a:spLocks noGrp="1"/>
+          </p:cNvSpPr>
+          <p:nvPr>
+            <p:ph type="body" idx="1"/>
+          </p:nvPr>
+        </p:nvSpPr>
+        <p:spPr/>
+        <p:txBody>
+          <a:bodyPr/>
+          <a:lstStyle/>
+          <a:p>
+            <a:endParaRPr lang="en-US" dirty="0"/>
+          </a:p>
+        </p:txBody>
+      </p:sp>
+      <p:sp>
+        <p:nvSpPr>
+          <p:cNvPr id="4" name="Slide Number Placeholder 3"/>
+          <p:cNvSpPr>
+            <a:spLocks noGrp="1"/>
+          </p:cNvSpPr>
+          <p:nvPr>
+            <p:ph type="sldNum" sz="quarter" idx="10"/>
+          </p:nvPr>
+        </p:nvSpPr>
+        <p:spPr/>
+        <p:txBody>
+          <a:bodyPr/>
+          <a:lstStyle/>
+          <a:p>
+            <a:fld id="{F7021451-1387-4CA6-816F-3879F97B5CBC}" type="slidenum">
+              <a:rPr lang="en-US"/>
+              <a:t>7</a:t>
             </a:fld>
             <a:endParaRPr lang="en-US" dirty="0"/>
           </a:p>
@@ -3675,6 +3760,293 @@
           </a:p>
         </p:txBody>
       </p:sp>
+      <p:sp>
+        <p:nvSpPr>
+          <p:cNvPr id="4" name="Text 2"/>
+          <p:cNvSpPr/>
+          <p:nvPr/>
+        </p:nvSpPr>
+        <p:spPr>
+          <a:xfrm>
+            <a:off x="5093255" y="250031"/>
+            <a:ext cx="4443889" cy="694373"/>
+          </a:xfrm>
+          <a:prstGeom prst="rect">
+            <a:avLst/>
+          </a:prstGeom>
+          <a:noFill/>
+          <a:ln/>
+        </p:spPr>
+        <p:txBody>
+          <a:bodyPr wrap="none" rtlCol="0" anchor="t"/>
+          <a:lstStyle/>
+          <a:p>
+            <a:pPr marL="0" indent="0">
+              <a:lnSpc>
+                <a:spcPts val="5468"/>
+              </a:lnSpc>
+              <a:buNone/>
+            </a:pPr>
+            <a:r>
+              <a:rPr lang="en-US" sz="6000" dirty="0">
+                <a:solidFill>
+                  <a:srgbClr val="FFFFFF"/>
+                </a:solidFill>
+                <a:latin typeface="Fraunces" pitchFamily="34" charset="0"/>
+                <a:ea typeface="Fraunces" pitchFamily="34" charset="-122"/>
+                <a:cs typeface="Fraunces" pitchFamily="34" charset="-120"/>
+              </a:rPr>
+              <a:t>Model Scores</a:t>
+            </a:r>
+            <a:endParaRPr lang="en-US" sz="6000" dirty="0"/>
+          </a:p>
+        </p:txBody>
+      </p:sp>
+      <p:pic>
+        <p:nvPicPr>
+          <p:cNvPr id="6" name="Immagine 5" descr="Immagine che contiene schermata, testo, quadrato, Rettangolo&#10;&#10;Descrizione generata automaticamente">
+            <a:extLst>
+              <a:ext uri="{FF2B5EF4-FFF2-40B4-BE49-F238E27FC236}">
+                <a16:creationId xmlns:a16="http://schemas.microsoft.com/office/drawing/2014/main" id="{6A4A24E6-51BB-89D0-4641-CF052D032CC5}"/>
+              </a:ext>
+            </a:extLst>
+          </p:cNvPr>
+          <p:cNvPicPr>
+            <a:picLocks noChangeAspect="1"/>
+          </p:cNvPicPr>
+          <p:nvPr/>
+        </p:nvPicPr>
+        <p:blipFill>
+          <a:blip r:embed="rId3"/>
+          <a:stretch>
+            <a:fillRect/>
+          </a:stretch>
+        </p:blipFill>
+        <p:spPr>
+          <a:xfrm>
+            <a:off x="211015" y="2075826"/>
+            <a:ext cx="6705601" cy="5364482"/>
+          </a:xfrm>
+          <a:prstGeom prst="rect">
+            <a:avLst/>
+          </a:prstGeom>
+        </p:spPr>
+      </p:pic>
+      <p:pic>
+        <p:nvPicPr>
+          <p:cNvPr id="7" name="Immagine 6" descr="Immagine che contiene schermata, quadrato, Rettangolo, modello&#10;&#10;Descrizione generata automaticamente">
+            <a:extLst>
+              <a:ext uri="{FF2B5EF4-FFF2-40B4-BE49-F238E27FC236}">
+                <a16:creationId xmlns:a16="http://schemas.microsoft.com/office/drawing/2014/main" id="{5B25403A-2420-105E-BE8E-E8E6972EE865}"/>
+              </a:ext>
+            </a:extLst>
+          </p:cNvPr>
+          <p:cNvPicPr>
+            <a:picLocks noChangeAspect="1"/>
+          </p:cNvPicPr>
+          <p:nvPr/>
+        </p:nvPicPr>
+        <p:blipFill>
+          <a:blip r:embed="rId4"/>
+          <a:stretch>
+            <a:fillRect/>
+          </a:stretch>
+        </p:blipFill>
+        <p:spPr>
+          <a:xfrm>
+            <a:off x="7385538" y="2075826"/>
+            <a:ext cx="6705602" cy="5364482"/>
+          </a:xfrm>
+          <a:prstGeom prst="rect">
+            <a:avLst/>
+          </a:prstGeom>
+        </p:spPr>
+      </p:pic>
+      <p:sp>
+        <p:nvSpPr>
+          <p:cNvPr id="10" name="Text 3">
+            <a:extLst>
+              <a:ext uri="{FF2B5EF4-FFF2-40B4-BE49-F238E27FC236}">
+                <a16:creationId xmlns:a16="http://schemas.microsoft.com/office/drawing/2014/main" id="{CD745AB0-B6F6-B439-C62B-4A8D04D75E00}"/>
+              </a:ext>
+            </a:extLst>
+          </p:cNvPr>
+          <p:cNvSpPr/>
+          <p:nvPr/>
+        </p:nvSpPr>
+        <p:spPr>
+          <a:xfrm>
+            <a:off x="2832764" y="1498051"/>
+            <a:ext cx="2666286" cy="416481"/>
+          </a:xfrm>
+          <a:prstGeom prst="rect">
+            <a:avLst/>
+          </a:prstGeom>
+          <a:noFill/>
+          <a:ln/>
+        </p:spPr>
+        <p:txBody>
+          <a:bodyPr wrap="none" rtlCol="0" anchor="t"/>
+          <a:lstStyle/>
+          <a:p>
+            <a:pPr marL="0" indent="0">
+              <a:lnSpc>
+                <a:spcPts val="3281"/>
+              </a:lnSpc>
+              <a:buNone/>
+            </a:pPr>
+            <a:r>
+              <a:rPr lang="en-US" sz="2624" dirty="0">
+                <a:solidFill>
+                  <a:srgbClr val="FFFFFF"/>
+                </a:solidFill>
+                <a:latin typeface="Fraunces" pitchFamily="34" charset="0"/>
+                <a:ea typeface="Fraunces" pitchFamily="34" charset="-122"/>
+                <a:cs typeface="Fraunces" pitchFamily="34" charset="-120"/>
+              </a:rPr>
+              <a:t>Training</a:t>
+            </a:r>
+            <a:endParaRPr lang="en-US" sz="2624" dirty="0"/>
+          </a:p>
+        </p:txBody>
+      </p:sp>
+      <p:sp>
+        <p:nvSpPr>
+          <p:cNvPr id="11" name="Text 3">
+            <a:extLst>
+              <a:ext uri="{FF2B5EF4-FFF2-40B4-BE49-F238E27FC236}">
+                <a16:creationId xmlns:a16="http://schemas.microsoft.com/office/drawing/2014/main" id="{C53F40A8-D5B0-3B5D-5B07-12E886EDC06C}"/>
+              </a:ext>
+            </a:extLst>
+          </p:cNvPr>
+          <p:cNvSpPr/>
+          <p:nvPr/>
+        </p:nvSpPr>
+        <p:spPr>
+          <a:xfrm>
+            <a:off x="9967440" y="1517405"/>
+            <a:ext cx="2666286" cy="416481"/>
+          </a:xfrm>
+          <a:prstGeom prst="rect">
+            <a:avLst/>
+          </a:prstGeom>
+          <a:noFill/>
+          <a:ln/>
+        </p:spPr>
+        <p:txBody>
+          <a:bodyPr wrap="none" rtlCol="0" anchor="t"/>
+          <a:lstStyle/>
+          <a:p>
+            <a:pPr marL="0" indent="0">
+              <a:lnSpc>
+                <a:spcPts val="3281"/>
+              </a:lnSpc>
+              <a:buNone/>
+            </a:pPr>
+            <a:r>
+              <a:rPr lang="en-US" sz="2624" dirty="0">
+                <a:solidFill>
+                  <a:srgbClr val="FFFFFF"/>
+                </a:solidFill>
+                <a:latin typeface="Fraunces" pitchFamily="34" charset="0"/>
+                <a:ea typeface="Fraunces" pitchFamily="34" charset="-122"/>
+                <a:cs typeface="Fraunces" pitchFamily="34" charset="-120"/>
+              </a:rPr>
+              <a:t>Validation</a:t>
+            </a:r>
+            <a:endParaRPr lang="en-US" sz="2624" dirty="0"/>
+          </a:p>
+        </p:txBody>
+      </p:sp>
+    </p:spTree>
+    <p:extLst>
+      <p:ext uri="{BB962C8B-B14F-4D97-AF65-F5344CB8AC3E}">
+        <p14:creationId xmlns:p14="http://schemas.microsoft.com/office/powerpoint/2010/main" val="713896419"/>
+      </p:ext>
+    </p:extLst>
+  </p:cSld>
+  <p:clrMapOvr>
+    <a:masterClrMapping/>
+  </p:clrMapOvr>
+</p:sld>
+</file>
+
+<file path=ppt/slides/slide7.xml><?xml version="1.0" encoding="utf-8"?>
+<p:sld xmlns:a="http://schemas.openxmlformats.org/drawingml/2006/main" xmlns:r="http://schemas.openxmlformats.org/officeDocument/2006/relationships" xmlns:p="http://schemas.openxmlformats.org/presentationml/2006/main">
+  <p:cSld>
+    <p:spTree>
+      <p:nvGrpSpPr>
+        <p:cNvPr id="1" name=""/>
+        <p:cNvGrpSpPr/>
+        <p:nvPr/>
+      </p:nvGrpSpPr>
+      <p:grpSpPr>
+        <a:xfrm>
+          <a:off x="0" y="0"/>
+          <a:ext cx="0" cy="0"/>
+          <a:chOff x="0" y="0"/>
+          <a:chExt cx="0" cy="0"/>
+        </a:xfrm>
+      </p:grpSpPr>
+      <p:sp>
+        <p:nvSpPr>
+          <p:cNvPr id="2" name="Shape 0"/>
+          <p:cNvSpPr/>
+          <p:nvPr/>
+        </p:nvSpPr>
+        <p:spPr>
+          <a:xfrm>
+            <a:off x="0" y="0"/>
+            <a:ext cx="14630400" cy="8229600"/>
+          </a:xfrm>
+          <a:prstGeom prst="rect">
+            <a:avLst/>
+          </a:prstGeom>
+          <a:solidFill>
+            <a:srgbClr val="A8AFCC"/>
+          </a:solidFill>
+          <a:ln/>
+        </p:spPr>
+        <p:txBody>
+          <a:bodyPr/>
+          <a:lstStyle/>
+          <a:p>
+            <a:endParaRPr lang="it-IT" dirty="0"/>
+          </a:p>
+        </p:txBody>
+      </p:sp>
+      <p:sp>
+        <p:nvSpPr>
+          <p:cNvPr id="3" name="Shape 1"/>
+          <p:cNvSpPr/>
+          <p:nvPr/>
+        </p:nvSpPr>
+        <p:spPr>
+          <a:xfrm>
+            <a:off x="0" y="0"/>
+            <a:ext cx="14630400" cy="8229600"/>
+          </a:xfrm>
+          <a:prstGeom prst="rect">
+            <a:avLst/>
+          </a:prstGeom>
+          <a:solidFill>
+            <a:srgbClr val="080E26"/>
+          </a:solidFill>
+          <a:ln w="13811">
+            <a:solidFill>
+              <a:srgbClr val="565151"/>
+            </a:solidFill>
+            <a:prstDash val="solid"/>
+          </a:ln>
+        </p:spPr>
+        <p:txBody>
+          <a:bodyPr/>
+          <a:lstStyle/>
+          <a:p>
+            <a:endParaRPr lang="it-IT" dirty="0"/>
+          </a:p>
+        </p:txBody>
+      </p:sp>
       <p:pic>
         <p:nvPicPr>
           <p:cNvPr id="4" name="Image 0" descr="preencoded.png"/>
@@ -4579,10 +4951,10 @@
       </p:sp>
       <p:pic>
         <p:nvPicPr>
-          <p:cNvPr id="8" name="Immagine 7" descr="Immagine che contiene schermata, quadrato, Rettangolo, modello&#10;&#10;Descrizione generata automaticamente">
+          <p:cNvPr id="15" name="Immagine 14" descr="Immagine che contiene schermata, quadrato, Rettangolo, diagramma">
             <a:extLst>
               <a:ext uri="{FF2B5EF4-FFF2-40B4-BE49-F238E27FC236}">
-                <a16:creationId xmlns:a16="http://schemas.microsoft.com/office/drawing/2014/main" id="{56E25454-35C4-7E93-6732-B72DFE0109F6}"/>
+                <a16:creationId xmlns:a16="http://schemas.microsoft.com/office/drawing/2014/main" id="{0455079B-87E5-E303-B646-22357557BA4F}"/>
               </a:ext>
             </a:extLst>
           </p:cNvPr>
@@ -4599,50 +4971,20 @@
         </p:blipFill>
         <p:spPr>
           <a:xfrm>
-            <a:off x="10222523" y="4784143"/>
-            <a:ext cx="4196862" cy="3357490"/>
+            <a:off x="8821504" y="3372928"/>
+            <a:ext cx="5457204" cy="4485730"/>
           </a:xfrm>
           <a:prstGeom prst="rect">
             <a:avLst/>
           </a:prstGeom>
         </p:spPr>
       </p:pic>
-      <p:pic>
-        <p:nvPicPr>
-          <p:cNvPr id="9" name="Immagine 8" descr="Immagine che contiene schermata, testo, quadrato, Rettangolo&#10;&#10;Descrizione generata automaticamente">
+      <p:sp>
+        <p:nvSpPr>
+          <p:cNvPr id="23" name="Text 3">
             <a:extLst>
               <a:ext uri="{FF2B5EF4-FFF2-40B4-BE49-F238E27FC236}">
-                <a16:creationId xmlns:a16="http://schemas.microsoft.com/office/drawing/2014/main" id="{CFEA9419-A689-F7DC-C095-5F6E3952C824}"/>
-              </a:ext>
-            </a:extLst>
-          </p:cNvPr>
-          <p:cNvPicPr>
-            <a:picLocks noChangeAspect="1"/>
-          </p:cNvPicPr>
-          <p:nvPr/>
-        </p:nvPicPr>
-        <p:blipFill>
-          <a:blip r:embed="rId5"/>
-          <a:stretch>
-            <a:fillRect/>
-          </a:stretch>
-        </p:blipFill>
-        <p:spPr>
-          <a:xfrm>
-            <a:off x="8776364" y="1274750"/>
-            <a:ext cx="4062946" cy="3250358"/>
-          </a:xfrm>
-          <a:prstGeom prst="rect">
-            <a:avLst/>
-          </a:prstGeom>
-        </p:spPr>
-      </p:pic>
-      <p:sp>
-        <p:nvSpPr>
-          <p:cNvPr id="10" name="Text 3">
-            <a:extLst>
-              <a:ext uri="{FF2B5EF4-FFF2-40B4-BE49-F238E27FC236}">
-                <a16:creationId xmlns:a16="http://schemas.microsoft.com/office/drawing/2014/main" id="{6F9620D6-4C15-ECBA-2D44-B6895B7C7E1A}"/>
+                <a16:creationId xmlns:a16="http://schemas.microsoft.com/office/drawing/2014/main" id="{5EA1B76B-C2F0-1141-85E0-3FADA8F35938}"/>
               </a:ext>
             </a:extLst>
           </p:cNvPr>
@@ -4651,7 +4993,7 @@
         </p:nvSpPr>
         <p:spPr>
           <a:xfrm>
-            <a:off x="8776364" y="782943"/>
+            <a:off x="11069409" y="2793745"/>
             <a:ext cx="2666286" cy="416481"/>
           </a:xfrm>
           <a:prstGeom prst="rect">
@@ -4679,55 +5021,7 @@
                 <a:ea typeface="Fraunces" pitchFamily="34" charset="-122"/>
                 <a:cs typeface="Fraunces" pitchFamily="34" charset="-120"/>
               </a:rPr>
-              <a:t>Training</a:t>
-            </a:r>
-            <a:endParaRPr lang="en-US" sz="2624" dirty="0"/>
-          </a:p>
-        </p:txBody>
-      </p:sp>
-      <p:sp>
-        <p:nvSpPr>
-          <p:cNvPr id="11" name="Text 3">
-            <a:extLst>
-              <a:ext uri="{FF2B5EF4-FFF2-40B4-BE49-F238E27FC236}">
-                <a16:creationId xmlns:a16="http://schemas.microsoft.com/office/drawing/2014/main" id="{58623B97-3AF0-E35C-DA88-01B7204287A7}"/>
-              </a:ext>
-            </a:extLst>
-          </p:cNvPr>
-          <p:cNvSpPr/>
-          <p:nvPr/>
-        </p:nvSpPr>
-        <p:spPr>
-          <a:xfrm>
-            <a:off x="12863040" y="4345169"/>
-            <a:ext cx="2666286" cy="416481"/>
-          </a:xfrm>
-          <a:prstGeom prst="rect">
-            <a:avLst/>
-          </a:prstGeom>
-          <a:noFill/>
-          <a:ln/>
-        </p:spPr>
-        <p:txBody>
-          <a:bodyPr wrap="none" rtlCol="0" anchor="t"/>
-          <a:lstStyle/>
-          <a:p>
-            <a:pPr marL="0" indent="0">
-              <a:lnSpc>
-                <a:spcPts val="3281"/>
-              </a:lnSpc>
-              <a:buNone/>
-            </a:pPr>
-            <a:r>
-              <a:rPr lang="en-US" sz="2624" dirty="0">
-                <a:solidFill>
-                  <a:srgbClr val="FFFFFF"/>
-                </a:solidFill>
-                <a:latin typeface="Fraunces" pitchFamily="34" charset="0"/>
-                <a:ea typeface="Fraunces" pitchFamily="34" charset="-122"/>
-                <a:cs typeface="Fraunces" pitchFamily="34" charset="-120"/>
-              </a:rPr>
-              <a:t>Validation</a:t>
+              <a:t>Test</a:t>
             </a:r>
             <a:endParaRPr lang="en-US" sz="2624" dirty="0"/>
           </a:p>
